--- a/Présentation.pptx
+++ b/Présentation.pptx
@@ -5,7 +5,7 @@
     <p:sldMasterId id="2147483672" r:id="rId1"/>
   </p:sldMasterIdLst>
   <p:notesMasterIdLst>
-    <p:notesMasterId r:id="rId20"/>
+    <p:notesMasterId r:id="rId21"/>
   </p:notesMasterIdLst>
   <p:sldIdLst>
     <p:sldId id="256" r:id="rId2"/>
@@ -13,50 +13,54 @@
     <p:sldId id="314" r:id="rId4"/>
     <p:sldId id="325" r:id="rId5"/>
     <p:sldId id="326" r:id="rId6"/>
-    <p:sldId id="313" r:id="rId7"/>
-    <p:sldId id="315" r:id="rId8"/>
-    <p:sldId id="316" r:id="rId9"/>
-    <p:sldId id="317" r:id="rId10"/>
-    <p:sldId id="318" r:id="rId11"/>
-    <p:sldId id="324" r:id="rId12"/>
-    <p:sldId id="319" r:id="rId13"/>
-    <p:sldId id="320" r:id="rId14"/>
-    <p:sldId id="321" r:id="rId15"/>
-    <p:sldId id="322" r:id="rId16"/>
-    <p:sldId id="323" r:id="rId17"/>
-    <p:sldId id="327" r:id="rId18"/>
-    <p:sldId id="272" r:id="rId19"/>
+    <p:sldId id="328" r:id="rId7"/>
+    <p:sldId id="313" r:id="rId8"/>
+    <p:sldId id="315" r:id="rId9"/>
+    <p:sldId id="316" r:id="rId10"/>
+    <p:sldId id="317" r:id="rId11"/>
+    <p:sldId id="318" r:id="rId12"/>
+    <p:sldId id="324" r:id="rId13"/>
+    <p:sldId id="319" r:id="rId14"/>
+    <p:sldId id="320" r:id="rId15"/>
+    <p:sldId id="321" r:id="rId16"/>
+    <p:sldId id="322" r:id="rId17"/>
+    <p:sldId id="323" r:id="rId18"/>
+    <p:sldId id="327" r:id="rId19"/>
+    <p:sldId id="272" r:id="rId20"/>
   </p:sldIdLst>
   <p:sldSz cx="9144000" cy="5143500" type="screen16x9"/>
   <p:notesSz cx="6858000" cy="9144000"/>
   <p:embeddedFontLst>
     <p:embeddedFont>
       <p:font typeface="Livvic" pitchFamily="2" charset="0"/>
-      <p:regular r:id="rId21"/>
+      <p:regular r:id="rId22"/>
+      <p:bold r:id="rId23"/>
+      <p:italic r:id="rId24"/>
+      <p:boldItalic r:id="rId25"/>
     </p:embeddedFont>
     <p:embeddedFont>
       <p:font typeface="Oswald" panose="02000503000000000000" pitchFamily="2" charset="0"/>
-      <p:regular r:id="rId22"/>
-      <p:bold r:id="rId23"/>
+      <p:regular r:id="rId26"/>
+      <p:bold r:id="rId27"/>
     </p:embeddedFont>
     <p:embeddedFont>
       <p:font typeface="Poppins" panose="00000500000000000000" pitchFamily="2" charset="0"/>
-      <p:regular r:id="rId24"/>
-      <p:bold r:id="rId25"/>
-      <p:italic r:id="rId26"/>
-      <p:boldItalic r:id="rId27"/>
-    </p:embeddedFont>
-    <p:embeddedFont>
-      <p:font typeface="Roboto" panose="02000000000000000000" pitchFamily="2" charset="0"/>
       <p:regular r:id="rId28"/>
       <p:bold r:id="rId29"/>
       <p:italic r:id="rId30"/>
       <p:boldItalic r:id="rId31"/>
     </p:embeddedFont>
     <p:embeddedFont>
+      <p:font typeface="Roboto" panose="02000000000000000000" pitchFamily="2" charset="0"/>
+      <p:regular r:id="rId32"/>
+      <p:bold r:id="rId33"/>
+      <p:italic r:id="rId34"/>
+      <p:boldItalic r:id="rId35"/>
+    </p:embeddedFont>
+    <p:embeddedFont>
       <p:font typeface="Roboto Condensed Light" panose="02000000000000000000" pitchFamily="2" charset="0"/>
-      <p:regular r:id="rId32"/>
-      <p:italic r:id="rId33"/>
+      <p:regular r:id="rId36"/>
+      <p:italic r:id="rId37"/>
     </p:embeddedFont>
   </p:embeddedFontLst>
   <p:defaultTextStyle>
@@ -27090,6 +27094,128 @@
           <p:cNvPr id="2" name="Titre 1">
             <a:extLst>
               <a:ext uri="{FF2B5EF4-FFF2-40B4-BE49-F238E27FC236}">
+                <a16:creationId xmlns:a16="http://schemas.microsoft.com/office/drawing/2014/main" id="{F8372D7C-C1B9-44CD-AA48-437F6A3BD014}"/>
+              </a:ext>
+            </a:extLst>
+          </p:cNvPr>
+          <p:cNvSpPr>
+            <a:spLocks noGrp="1"/>
+          </p:cNvSpPr>
+          <p:nvPr>
+            <p:ph type="title"/>
+          </p:nvPr>
+        </p:nvSpPr>
+        <p:spPr/>
+        <p:txBody>
+          <a:bodyPr/>
+          <a:lstStyle/>
+          <a:p>
+            <a:endParaRPr lang="en-US"/>
+          </a:p>
+        </p:txBody>
+      </p:sp>
+      <p:sp>
+        <p:nvSpPr>
+          <p:cNvPr id="3" name="Espace réservé du texte 2">
+            <a:extLst>
+              <a:ext uri="{FF2B5EF4-FFF2-40B4-BE49-F238E27FC236}">
+                <a16:creationId xmlns:a16="http://schemas.microsoft.com/office/drawing/2014/main" id="{1530BEB7-F346-4C78-927B-D847F51FE55F}"/>
+              </a:ext>
+            </a:extLst>
+          </p:cNvPr>
+          <p:cNvSpPr>
+            <a:spLocks noGrp="1"/>
+          </p:cNvSpPr>
+          <p:nvPr>
+            <p:ph type="body" idx="1"/>
+          </p:nvPr>
+        </p:nvSpPr>
+        <p:spPr/>
+        <p:txBody>
+          <a:bodyPr/>
+          <a:lstStyle/>
+          <a:p>
+            <a:endParaRPr lang="en-US"/>
+          </a:p>
+        </p:txBody>
+      </p:sp>
+      <p:pic>
+        <p:nvPicPr>
+          <p:cNvPr id="5" name="Image 4">
+            <a:extLst>
+              <a:ext uri="{FF2B5EF4-FFF2-40B4-BE49-F238E27FC236}">
+                <a16:creationId xmlns:a16="http://schemas.microsoft.com/office/drawing/2014/main" id="{2E10587A-E3DD-4201-AA48-D4F7517166CA}"/>
+              </a:ext>
+            </a:extLst>
+          </p:cNvPr>
+          <p:cNvPicPr>
+            <a:picLocks noChangeAspect="1"/>
+          </p:cNvPicPr>
+          <p:nvPr/>
+        </p:nvPicPr>
+        <p:blipFill>
+          <a:blip r:embed="rId2"/>
+          <a:stretch>
+            <a:fillRect/>
+          </a:stretch>
+        </p:blipFill>
+        <p:spPr>
+          <a:xfrm>
+            <a:off x="472290" y="0"/>
+            <a:ext cx="8199419" cy="5143500"/>
+          </a:xfrm>
+          <a:prstGeom prst="rect">
+            <a:avLst/>
+          </a:prstGeom>
+        </p:spPr>
+      </p:pic>
+    </p:spTree>
+    <p:extLst>
+      <p:ext uri="{BB962C8B-B14F-4D97-AF65-F5344CB8AC3E}">
+        <p14:creationId xmlns:p14="http://schemas.microsoft.com/office/powerpoint/2010/main" val="1880487451"/>
+      </p:ext>
+    </p:extLst>
+  </p:cSld>
+  <p:clrMapOvr>
+    <a:masterClrMapping/>
+  </p:clrMapOvr>
+  <mc:AlternateContent xmlns:mc="http://schemas.openxmlformats.org/markup-compatibility/2006" xmlns:p14="http://schemas.microsoft.com/office/powerpoint/2010/main">
+    <mc:Choice Requires="p14">
+      <p:transition spd="med" p14:dur="700">
+        <p:fade/>
+      </p:transition>
+    </mc:Choice>
+    <mc:Fallback xmlns="">
+      <p:transition spd="med">
+        <p:fade/>
+      </p:transition>
+    </mc:Fallback>
+  </mc:AlternateContent>
+</p:sld>
+</file>
+
+<file path=ppt/slides/slide11.xml><?xml version="1.0" encoding="utf-8"?>
+<p:sld xmlns:a="http://schemas.openxmlformats.org/drawingml/2006/main" xmlns:r="http://schemas.openxmlformats.org/officeDocument/2006/relationships" xmlns:p="http://schemas.openxmlformats.org/presentationml/2006/main">
+  <p:cSld>
+    <p:spTree>
+      <p:nvGrpSpPr>
+        <p:cNvPr id="1" name=""/>
+        <p:cNvGrpSpPr/>
+        <p:nvPr/>
+      </p:nvGrpSpPr>
+      <p:grpSpPr>
+        <a:xfrm>
+          <a:off x="0" y="0"/>
+          <a:ext cx="0" cy="0"/>
+          <a:chOff x="0" y="0"/>
+          <a:chExt cx="0" cy="0"/>
+        </a:xfrm>
+      </p:grpSpPr>
+      <p:sp>
+        <p:nvSpPr>
+          <p:cNvPr id="2" name="Titre 1">
+            <a:extLst>
+              <a:ext uri="{FF2B5EF4-FFF2-40B4-BE49-F238E27FC236}">
                 <a16:creationId xmlns:a16="http://schemas.microsoft.com/office/drawing/2014/main" id="{9AFD40AF-53E3-4D67-BF39-7FADC2B391D6}"/>
               </a:ext>
             </a:extLst>
@@ -27190,7 +27316,7 @@
 </p:sld>
 </file>
 
-<file path=ppt/slides/slide11.xml><?xml version="1.0" encoding="utf-8"?>
+<file path=ppt/slides/slide12.xml><?xml version="1.0" encoding="utf-8"?>
 <p:sld xmlns:a="http://schemas.openxmlformats.org/drawingml/2006/main" xmlns:r="http://schemas.openxmlformats.org/officeDocument/2006/relationships" xmlns:p="http://schemas.openxmlformats.org/presentationml/2006/main">
   <p:cSld>
     <p:spTree>
@@ -27312,7 +27438,7 @@
 </p:sld>
 </file>
 
-<file path=ppt/slides/slide12.xml><?xml version="1.0" encoding="utf-8"?>
+<file path=ppt/slides/slide13.xml><?xml version="1.0" encoding="utf-8"?>
 <p:sld xmlns:a="http://schemas.openxmlformats.org/drawingml/2006/main" xmlns:r="http://schemas.openxmlformats.org/officeDocument/2006/relationships" xmlns:p="http://schemas.openxmlformats.org/presentationml/2006/main">
   <p:cSld>
     <p:spTree>
@@ -27434,7 +27560,7 @@
 </p:sld>
 </file>
 
-<file path=ppt/slides/slide13.xml><?xml version="1.0" encoding="utf-8"?>
+<file path=ppt/slides/slide14.xml><?xml version="1.0" encoding="utf-8"?>
 <p:sld xmlns:a="http://schemas.openxmlformats.org/drawingml/2006/main" xmlns:r="http://schemas.openxmlformats.org/officeDocument/2006/relationships" xmlns:p="http://schemas.openxmlformats.org/presentationml/2006/main">
   <p:cSld>
     <p:spTree>
@@ -27556,7 +27682,7 @@
 </p:sld>
 </file>
 
-<file path=ppt/slides/slide14.xml><?xml version="1.0" encoding="utf-8"?>
+<file path=ppt/slides/slide15.xml><?xml version="1.0" encoding="utf-8"?>
 <p:sld xmlns:a="http://schemas.openxmlformats.org/drawingml/2006/main" xmlns:r="http://schemas.openxmlformats.org/officeDocument/2006/relationships" xmlns:p="http://schemas.openxmlformats.org/presentationml/2006/main">
   <p:cSld>
     <p:spTree>
@@ -27678,7 +27804,7 @@
 </p:sld>
 </file>
 
-<file path=ppt/slides/slide15.xml><?xml version="1.0" encoding="utf-8"?>
+<file path=ppt/slides/slide16.xml><?xml version="1.0" encoding="utf-8"?>
 <p:sld xmlns:a="http://schemas.openxmlformats.org/drawingml/2006/main" xmlns:r="http://schemas.openxmlformats.org/officeDocument/2006/relationships" xmlns:p="http://schemas.openxmlformats.org/presentationml/2006/main">
   <p:cSld>
     <p:spTree>
@@ -27800,7 +27926,7 @@
 </p:sld>
 </file>
 
-<file path=ppt/slides/slide16.xml><?xml version="1.0" encoding="utf-8"?>
+<file path=ppt/slides/slide17.xml><?xml version="1.0" encoding="utf-8"?>
 <p:sld xmlns:a="http://schemas.openxmlformats.org/drawingml/2006/main" xmlns:r="http://schemas.openxmlformats.org/officeDocument/2006/relationships" xmlns:p="http://schemas.openxmlformats.org/presentationml/2006/main">
   <p:cSld>
     <p:spTree>
@@ -27922,7 +28048,7 @@
 </p:sld>
 </file>
 
-<file path=ppt/slides/slide17.xml><?xml version="1.0" encoding="utf-8"?>
+<file path=ppt/slides/slide18.xml><?xml version="1.0" encoding="utf-8"?>
 <p:sld xmlns:a="http://schemas.openxmlformats.org/drawingml/2006/main" xmlns:r="http://schemas.openxmlformats.org/officeDocument/2006/relationships" xmlns:p="http://schemas.openxmlformats.org/presentationml/2006/main">
   <p:cSld>
     <p:spTree>
@@ -28064,7 +28190,7 @@
 </p:sld>
 </file>
 
-<file path=ppt/slides/slide18.xml><?xml version="1.0" encoding="utf-8"?>
+<file path=ppt/slides/slide19.xml><?xml version="1.0" encoding="utf-8"?>
 <p:sld xmlns:a="http://schemas.openxmlformats.org/drawingml/2006/main" xmlns:r="http://schemas.openxmlformats.org/officeDocument/2006/relationships" xmlns:p="http://schemas.openxmlformats.org/presentationml/2006/main">
   <p:cSld>
     <p:bg>
@@ -29114,7 +29240,7 @@
         </p:blipFill>
         <p:spPr>
           <a:xfrm>
-            <a:off x="6980047" y="3237854"/>
+            <a:off x="7381133" y="3444869"/>
             <a:ext cx="590312" cy="590312"/>
           </a:xfrm>
           <a:prstGeom prst="rect">
@@ -29144,7 +29270,7 @@
         </p:blipFill>
         <p:spPr>
           <a:xfrm>
-            <a:off x="1109971" y="2965038"/>
+            <a:off x="1511057" y="3172053"/>
             <a:ext cx="913578" cy="913578"/>
           </a:xfrm>
           <a:prstGeom prst="rect">
@@ -29174,7 +29300,7 @@
         </p:blipFill>
         <p:spPr>
           <a:xfrm>
-            <a:off x="3606895" y="1843270"/>
+            <a:off x="3182306" y="1972409"/>
             <a:ext cx="1543931" cy="645644"/>
           </a:xfrm>
           <a:prstGeom prst="rect">
@@ -29204,7 +29330,7 @@
         </p:blipFill>
         <p:spPr>
           <a:xfrm>
-            <a:off x="1839985" y="1417619"/>
+            <a:off x="1415396" y="1546758"/>
             <a:ext cx="667412" cy="1242499"/>
           </a:xfrm>
           <a:prstGeom prst="rect">
@@ -29226,7 +29352,7 @@
         </p:nvGrpSpPr>
         <p:grpSpPr>
           <a:xfrm>
-            <a:off x="4645144" y="3270454"/>
+            <a:off x="5046230" y="3477469"/>
             <a:ext cx="1673134" cy="437557"/>
             <a:chOff x="1674460" y="3387465"/>
             <a:chExt cx="2651750" cy="628288"/>
@@ -29313,7 +29439,7 @@
         </p:blipFill>
         <p:spPr>
           <a:xfrm>
-            <a:off x="2087748" y="2571750"/>
+            <a:off x="2488834" y="2778765"/>
             <a:ext cx="2432980" cy="1824735"/>
           </a:xfrm>
           <a:prstGeom prst="rect">
@@ -29343,8 +29469,38 @@
         </p:blipFill>
         <p:spPr>
           <a:xfrm>
-            <a:off x="5812596" y="1602512"/>
+            <a:off x="5177481" y="1673835"/>
             <a:ext cx="1673133" cy="1115422"/>
+          </a:xfrm>
+          <a:prstGeom prst="rect">
+            <a:avLst/>
+          </a:prstGeom>
+        </p:spPr>
+      </p:pic>
+      <p:pic>
+        <p:nvPicPr>
+          <p:cNvPr id="9" name="Picture 8">
+            <a:extLst>
+              <a:ext uri="{FF2B5EF4-FFF2-40B4-BE49-F238E27FC236}">
+                <a16:creationId xmlns:a16="http://schemas.microsoft.com/office/drawing/2014/main" id="{4992472B-4F2B-FFD4-8B74-C5C417F2CBCB}"/>
+              </a:ext>
+            </a:extLst>
+          </p:cNvPr>
+          <p:cNvPicPr>
+            <a:picLocks noChangeAspect="1"/>
+          </p:cNvPicPr>
+          <p:nvPr/>
+        </p:nvPicPr>
+        <p:blipFill>
+          <a:blip r:embed="rId10"/>
+          <a:stretch>
+            <a:fillRect/>
+          </a:stretch>
+        </p:blipFill>
+        <p:spPr>
+          <a:xfrm>
+            <a:off x="7081876" y="1927048"/>
+            <a:ext cx="739034" cy="736366"/>
           </a:xfrm>
           <a:prstGeom prst="rect">
             <a:avLst/>
@@ -29377,6 +29533,149 @@
 </file>
 
 <file path=ppt/slides/slide6.xml><?xml version="1.0" encoding="utf-8"?>
+<p:sld xmlns:a="http://schemas.openxmlformats.org/drawingml/2006/main" xmlns:r="http://schemas.openxmlformats.org/officeDocument/2006/relationships" xmlns:p="http://schemas.openxmlformats.org/presentationml/2006/main">
+  <p:cSld>
+    <p:spTree>
+      <p:nvGrpSpPr>
+        <p:cNvPr id="1" name=""/>
+        <p:cNvGrpSpPr/>
+        <p:nvPr/>
+      </p:nvGrpSpPr>
+      <p:grpSpPr>
+        <a:xfrm>
+          <a:off x="0" y="0"/>
+          <a:ext cx="0" cy="0"/>
+          <a:chOff x="0" y="0"/>
+          <a:chExt cx="0" cy="0"/>
+        </a:xfrm>
+      </p:grpSpPr>
+      <p:sp>
+        <p:nvSpPr>
+          <p:cNvPr id="2" name="Title 1">
+            <a:extLst>
+              <a:ext uri="{FF2B5EF4-FFF2-40B4-BE49-F238E27FC236}">
+                <a16:creationId xmlns:a16="http://schemas.microsoft.com/office/drawing/2014/main" id="{B7F778DF-57B3-55B5-63C7-9ACFD64AAE99}"/>
+              </a:ext>
+            </a:extLst>
+          </p:cNvPr>
+          <p:cNvSpPr>
+            <a:spLocks noGrp="1"/>
+          </p:cNvSpPr>
+          <p:nvPr>
+            <p:ph type="title"/>
+          </p:nvPr>
+        </p:nvSpPr>
+        <p:spPr>
+          <a:xfrm>
+            <a:off x="720000" y="334384"/>
+            <a:ext cx="7704000" cy="572700"/>
+          </a:xfrm>
+        </p:spPr>
+        <p:txBody>
+          <a:bodyPr/>
+          <a:lstStyle/>
+          <a:p>
+            <a:r>
+              <a:rPr lang="fr-FR" dirty="0">
+                <a:latin typeface="Poppins" panose="00000500000000000000" pitchFamily="2" charset="0"/>
+                <a:cs typeface="Poppins" panose="00000500000000000000" pitchFamily="2" charset="0"/>
+              </a:rPr>
+              <a:t>GitHub Repository</a:t>
+            </a:r>
+          </a:p>
+        </p:txBody>
+      </p:sp>
+      <p:sp>
+        <p:nvSpPr>
+          <p:cNvPr id="4" name="Text Placeholder 3">
+            <a:extLst>
+              <a:ext uri="{FF2B5EF4-FFF2-40B4-BE49-F238E27FC236}">
+                <a16:creationId xmlns:a16="http://schemas.microsoft.com/office/drawing/2014/main" id="{D6A8E6FF-435F-3F34-CD2A-512EC6B61B0B}"/>
+              </a:ext>
+            </a:extLst>
+          </p:cNvPr>
+          <p:cNvSpPr txBox="1">
+            <a:spLocks noGrp="1"/>
+          </p:cNvSpPr>
+          <p:nvPr>
+            <p:ph type="body" idx="1"/>
+          </p:nvPr>
+        </p:nvSpPr>
+        <p:spPr>
+          <a:xfrm>
+            <a:off x="720000" y="1021361"/>
+            <a:ext cx="7889875" cy="461635"/>
+          </a:xfrm>
+          <a:prstGeom prst="rect">
+            <a:avLst/>
+          </a:prstGeom>
+          <a:noFill/>
+        </p:spPr>
+        <p:txBody>
+          <a:bodyPr wrap="square">
+            <a:spAutoFit/>
+          </a:bodyPr>
+          <a:lstStyle/>
+          <a:p>
+            <a:pPr marL="152400" indent="0">
+              <a:buNone/>
+            </a:pPr>
+            <a:r>
+              <a:rPr lang="fr-FR" sz="1800" dirty="0">
+                <a:solidFill>
+                  <a:schemeClr val="bg1"/>
+                </a:solidFill>
+                <a:latin typeface="Poppins" panose="00000500000000000000" pitchFamily="2" charset="0"/>
+                <a:cs typeface="Poppins" panose="00000500000000000000" pitchFamily="2" charset="0"/>
+              </a:rPr>
+              <a:t>Lien: https://github.com/AmnaKouki/ProjetJava</a:t>
+            </a:r>
+          </a:p>
+        </p:txBody>
+      </p:sp>
+      <p:pic>
+        <p:nvPicPr>
+          <p:cNvPr id="6" name="Picture 5">
+            <a:extLst>
+              <a:ext uri="{FF2B5EF4-FFF2-40B4-BE49-F238E27FC236}">
+                <a16:creationId xmlns:a16="http://schemas.microsoft.com/office/drawing/2014/main" id="{05F6DB7A-4498-AE5A-F309-CD40606F2CD2}"/>
+              </a:ext>
+            </a:extLst>
+          </p:cNvPr>
+          <p:cNvPicPr>
+            <a:picLocks noChangeAspect="1"/>
+          </p:cNvPicPr>
+          <p:nvPr/>
+        </p:nvPicPr>
+        <p:blipFill rotWithShape="1">
+          <a:blip r:embed="rId2"/>
+          <a:srcRect l="3778" t="10221" r="27229" b="10503"/>
+          <a:stretch/>
+        </p:blipFill>
+        <p:spPr>
+          <a:xfrm>
+            <a:off x="2291508" y="1677600"/>
+            <a:ext cx="4847421" cy="3131516"/>
+          </a:xfrm>
+          <a:prstGeom prst="rect">
+            <a:avLst/>
+          </a:prstGeom>
+        </p:spPr>
+      </p:pic>
+    </p:spTree>
+    <p:extLst>
+      <p:ext uri="{BB962C8B-B14F-4D97-AF65-F5344CB8AC3E}">
+        <p14:creationId xmlns:p14="http://schemas.microsoft.com/office/powerpoint/2010/main" val="990325091"/>
+      </p:ext>
+    </p:extLst>
+  </p:cSld>
+  <p:clrMapOvr>
+    <a:masterClrMapping/>
+  </p:clrMapOvr>
+</p:sld>
+</file>
+
+<file path=ppt/slides/slide7.xml><?xml version="1.0" encoding="utf-8"?>
 <p:sld xmlns:a="http://schemas.openxmlformats.org/drawingml/2006/main" xmlns:r="http://schemas.openxmlformats.org/officeDocument/2006/relationships" xmlns:p="http://schemas.openxmlformats.org/presentationml/2006/main">
   <p:cSld>
     <p:spTree>
@@ -29465,7 +29764,7 @@
 </p:sld>
 </file>
 
-<file path=ppt/slides/slide7.xml><?xml version="1.0" encoding="utf-8"?>
+<file path=ppt/slides/slide8.xml><?xml version="1.0" encoding="utf-8"?>
 <p:sld xmlns:a="http://schemas.openxmlformats.org/drawingml/2006/main" xmlns:r="http://schemas.openxmlformats.org/officeDocument/2006/relationships" xmlns:p="http://schemas.openxmlformats.org/presentationml/2006/main">
   <p:cSld>
     <p:spTree>
@@ -29537,7 +29836,7 @@
 </p:sld>
 </file>
 
-<file path=ppt/slides/slide8.xml><?xml version="1.0" encoding="utf-8"?>
+<file path=ppt/slides/slide9.xml><?xml version="1.0" encoding="utf-8"?>
 <p:sld xmlns:a="http://schemas.openxmlformats.org/drawingml/2006/main" xmlns:r="http://schemas.openxmlformats.org/officeDocument/2006/relationships" xmlns:p="http://schemas.openxmlformats.org/presentationml/2006/main">
   <p:cSld>
     <p:spTree>
@@ -29638,128 +29937,6 @@
     <p:extLst>
       <p:ext uri="{BB962C8B-B14F-4D97-AF65-F5344CB8AC3E}">
         <p14:creationId xmlns:p14="http://schemas.microsoft.com/office/powerpoint/2010/main" val="408957939"/>
-      </p:ext>
-    </p:extLst>
-  </p:cSld>
-  <p:clrMapOvr>
-    <a:masterClrMapping/>
-  </p:clrMapOvr>
-  <mc:AlternateContent xmlns:mc="http://schemas.openxmlformats.org/markup-compatibility/2006" xmlns:p14="http://schemas.microsoft.com/office/powerpoint/2010/main">
-    <mc:Choice Requires="p14">
-      <p:transition spd="med" p14:dur="700">
-        <p:fade/>
-      </p:transition>
-    </mc:Choice>
-    <mc:Fallback xmlns="">
-      <p:transition spd="med">
-        <p:fade/>
-      </p:transition>
-    </mc:Fallback>
-  </mc:AlternateContent>
-</p:sld>
-</file>
-
-<file path=ppt/slides/slide9.xml><?xml version="1.0" encoding="utf-8"?>
-<p:sld xmlns:a="http://schemas.openxmlformats.org/drawingml/2006/main" xmlns:r="http://schemas.openxmlformats.org/officeDocument/2006/relationships" xmlns:p="http://schemas.openxmlformats.org/presentationml/2006/main">
-  <p:cSld>
-    <p:spTree>
-      <p:nvGrpSpPr>
-        <p:cNvPr id="1" name=""/>
-        <p:cNvGrpSpPr/>
-        <p:nvPr/>
-      </p:nvGrpSpPr>
-      <p:grpSpPr>
-        <a:xfrm>
-          <a:off x="0" y="0"/>
-          <a:ext cx="0" cy="0"/>
-          <a:chOff x="0" y="0"/>
-          <a:chExt cx="0" cy="0"/>
-        </a:xfrm>
-      </p:grpSpPr>
-      <p:sp>
-        <p:nvSpPr>
-          <p:cNvPr id="2" name="Titre 1">
-            <a:extLst>
-              <a:ext uri="{FF2B5EF4-FFF2-40B4-BE49-F238E27FC236}">
-                <a16:creationId xmlns:a16="http://schemas.microsoft.com/office/drawing/2014/main" id="{F8372D7C-C1B9-44CD-AA48-437F6A3BD014}"/>
-              </a:ext>
-            </a:extLst>
-          </p:cNvPr>
-          <p:cNvSpPr>
-            <a:spLocks noGrp="1"/>
-          </p:cNvSpPr>
-          <p:nvPr>
-            <p:ph type="title"/>
-          </p:nvPr>
-        </p:nvSpPr>
-        <p:spPr/>
-        <p:txBody>
-          <a:bodyPr/>
-          <a:lstStyle/>
-          <a:p>
-            <a:endParaRPr lang="en-US"/>
-          </a:p>
-        </p:txBody>
-      </p:sp>
-      <p:sp>
-        <p:nvSpPr>
-          <p:cNvPr id="3" name="Espace réservé du texte 2">
-            <a:extLst>
-              <a:ext uri="{FF2B5EF4-FFF2-40B4-BE49-F238E27FC236}">
-                <a16:creationId xmlns:a16="http://schemas.microsoft.com/office/drawing/2014/main" id="{1530BEB7-F346-4C78-927B-D847F51FE55F}"/>
-              </a:ext>
-            </a:extLst>
-          </p:cNvPr>
-          <p:cNvSpPr>
-            <a:spLocks noGrp="1"/>
-          </p:cNvSpPr>
-          <p:nvPr>
-            <p:ph type="body" idx="1"/>
-          </p:nvPr>
-        </p:nvSpPr>
-        <p:spPr/>
-        <p:txBody>
-          <a:bodyPr/>
-          <a:lstStyle/>
-          <a:p>
-            <a:endParaRPr lang="en-US"/>
-          </a:p>
-        </p:txBody>
-      </p:sp>
-      <p:pic>
-        <p:nvPicPr>
-          <p:cNvPr id="5" name="Image 4">
-            <a:extLst>
-              <a:ext uri="{FF2B5EF4-FFF2-40B4-BE49-F238E27FC236}">
-                <a16:creationId xmlns:a16="http://schemas.microsoft.com/office/drawing/2014/main" id="{2E10587A-E3DD-4201-AA48-D4F7517166CA}"/>
-              </a:ext>
-            </a:extLst>
-          </p:cNvPr>
-          <p:cNvPicPr>
-            <a:picLocks noChangeAspect="1"/>
-          </p:cNvPicPr>
-          <p:nvPr/>
-        </p:nvPicPr>
-        <p:blipFill>
-          <a:blip r:embed="rId2"/>
-          <a:stretch>
-            <a:fillRect/>
-          </a:stretch>
-        </p:blipFill>
-        <p:spPr>
-          <a:xfrm>
-            <a:off x="472290" y="0"/>
-            <a:ext cx="8199419" cy="5143500"/>
-          </a:xfrm>
-          <a:prstGeom prst="rect">
-            <a:avLst/>
-          </a:prstGeom>
-        </p:spPr>
-      </p:pic>
-    </p:spTree>
-    <p:extLst>
-      <p:ext uri="{BB962C8B-B14F-4D97-AF65-F5344CB8AC3E}">
-        <p14:creationId xmlns:p14="http://schemas.microsoft.com/office/powerpoint/2010/main" val="1880487451"/>
       </p:ext>
     </p:extLst>
   </p:cSld>
